--- a/05-Sit/01_Pro_ucitele/Prezentace/51-sit-paralelni.pptx
+++ b/05-Sit/01_Pro_ucitele/Prezentace/51-sit-paralelni.pptx
@@ -11,7 +11,6 @@
     <p:sldId id="259" r:id="rId5"/>
     <p:sldId id="260" r:id="rId6"/>
     <p:sldId id="261" r:id="rId7"/>
-    <p:sldId id="262" r:id="rId8"/>
   </p:sldIdLst>
   <p:sldSz cx="10080625" cy="7559675"/>
   <p:notesSz cx="7559675" cy="10691813"/>
@@ -5176,11 +5175,17 @@
             <p:ph type="title"/>
           </p:nvPr>
         </p:nvSpPr>
-        <p:spPr/>
+        <p:spPr>
+          <a:xfrm>
+            <a:off x="504000" y="0"/>
+            <a:ext cx="9072000" cy="1278082"/>
+          </a:xfrm>
+        </p:spPr>
         <p:txBody>
           <a:bodyPr/>
           <a:lstStyle/>
           <a:p>
+            <a:pPr algn="ctr"/>
             <a:r>
               <a:rPr lang="cs-CZ" dirty="0"/>
               <a:t>Zapojení</a:t>
@@ -5228,102 +5233,6 @@
     <p:extLst>
       <p:ext uri="{BB962C8B-B14F-4D97-AF65-F5344CB8AC3E}">
         <p14:creationId xmlns:p14="http://schemas.microsoft.com/office/powerpoint/2010/main" val="1077867707"/>
-      </p:ext>
-    </p:extLst>
-  </p:cSld>
-  <p:clrMapOvr>
-    <a:masterClrMapping/>
-  </p:clrMapOvr>
-</p:sld>
-</file>
-
-<file path=ppt/slides/slide6.xml><?xml version="1.0" encoding="utf-8"?>
-<p:sld xmlns:a="http://schemas.openxmlformats.org/drawingml/2006/main" xmlns:r="http://schemas.openxmlformats.org/officeDocument/2006/relationships" xmlns:p="http://schemas.openxmlformats.org/presentationml/2006/main">
-  <p:cSld>
-    <p:spTree>
-      <p:nvGrpSpPr>
-        <p:cNvPr id="1" name=""/>
-        <p:cNvGrpSpPr/>
-        <p:nvPr/>
-      </p:nvGrpSpPr>
-      <p:grpSpPr>
-        <a:xfrm>
-          <a:off x="0" y="0"/>
-          <a:ext cx="0" cy="0"/>
-          <a:chOff x="0" y="0"/>
-          <a:chExt cx="0" cy="0"/>
-        </a:xfrm>
-      </p:grpSpPr>
-      <p:sp>
-        <p:nvSpPr>
-          <p:cNvPr id="2" name="Nadpis 1">
-            <a:extLst>
-              <a:ext uri="{FF2B5EF4-FFF2-40B4-BE49-F238E27FC236}">
-                <a16:creationId xmlns:a16="http://schemas.microsoft.com/office/drawing/2014/main" id="{EBB79459-97BA-6644-B5B7-1D3428ABB189}"/>
-              </a:ext>
-            </a:extLst>
-          </p:cNvPr>
-          <p:cNvSpPr>
-            <a:spLocks noGrp="1"/>
-          </p:cNvSpPr>
-          <p:nvPr>
-            <p:ph type="title"/>
-          </p:nvPr>
-        </p:nvSpPr>
-        <p:spPr/>
-        <p:txBody>
-          <a:bodyPr/>
-          <a:lstStyle/>
-          <a:p>
-            <a:r>
-              <a:rPr lang="cs-CZ" dirty="0"/>
-              <a:t>Zhodnocení</a:t>
-            </a:r>
-          </a:p>
-        </p:txBody>
-      </p:sp>
-      <p:sp>
-        <p:nvSpPr>
-          <p:cNvPr id="3" name="Podnadpis 2">
-            <a:extLst>
-              <a:ext uri="{FF2B5EF4-FFF2-40B4-BE49-F238E27FC236}">
-                <a16:creationId xmlns:a16="http://schemas.microsoft.com/office/drawing/2014/main" id="{1AB000C7-0132-6F4F-8BAE-CA3B711FC638}"/>
-              </a:ext>
-            </a:extLst>
-          </p:cNvPr>
-          <p:cNvSpPr>
-            <a:spLocks noGrp="1"/>
-          </p:cNvSpPr>
-          <p:nvPr>
-            <p:ph type="subTitle"/>
-          </p:nvPr>
-        </p:nvSpPr>
-        <p:spPr/>
-        <p:txBody>
-          <a:bodyPr anchor="t"/>
-          <a:lstStyle/>
-          <a:p>
-            <a:r>
-              <a:rPr lang="cs-CZ"/>
-              <a:t>Paralelní </a:t>
-            </a:r>
-            <a:r>
-              <a:rPr lang="cs-CZ" dirty="0"/>
-              <a:t>přenos</a:t>
-            </a:r>
-          </a:p>
-          <a:p>
-            <a:r>
-              <a:rPr lang="cs-CZ" dirty="0"/>
-              <a:t>Možný počet přenesených signálů – dle počtu vodičů</a:t>
-            </a:r>
-          </a:p>
-        </p:txBody>
-      </p:sp>
-    </p:spTree>
-    <p:extLst>
-      <p:ext uri="{BB962C8B-B14F-4D97-AF65-F5344CB8AC3E}">
-        <p14:creationId xmlns:p14="http://schemas.microsoft.com/office/powerpoint/2010/main" val="992825277"/>
       </p:ext>
     </p:extLst>
   </p:cSld>
